--- a/Delivery 2/Presentation 2.pptx
+++ b/Delivery 2/Presentation 2.pptx
@@ -11,6 +11,7 @@
     <p:sldId id="259" r:id="rId5"/>
     <p:sldId id="261" r:id="rId6"/>
     <p:sldId id="260" r:id="rId7"/>
+    <p:sldId id="263" r:id="rId8"/>
   </p:sldIdLst>
   <p:sldSz cx="12192000" cy="6858000"/>
   <p:notesSz cx="6858000" cy="9144000"/>
@@ -3063,7 +3064,7 @@
           <a:p>
             <a:fld id="{D54D9FC0-3A79-4E66-913A-63BFEDB3FAFB}" type="datetimeFigureOut">
               <a:rPr lang="en-US" smtClean="0"/>
-              <a:t>3/2/2020</a:t>
+              <a:t>3/3/2020</a:t>
             </a:fld>
             <a:endParaRPr lang="en-US"/>
           </a:p>
@@ -3261,7 +3262,7 @@
           <a:p>
             <a:fld id="{D54D9FC0-3A79-4E66-913A-63BFEDB3FAFB}" type="datetimeFigureOut">
               <a:rPr lang="en-US" smtClean="0"/>
-              <a:t>3/2/2020</a:t>
+              <a:t>3/3/2020</a:t>
             </a:fld>
             <a:endParaRPr lang="en-US"/>
           </a:p>
@@ -3469,7 +3470,7 @@
           <a:p>
             <a:fld id="{D54D9FC0-3A79-4E66-913A-63BFEDB3FAFB}" type="datetimeFigureOut">
               <a:rPr lang="en-US" smtClean="0"/>
-              <a:t>3/2/2020</a:t>
+              <a:t>3/3/2020</a:t>
             </a:fld>
             <a:endParaRPr lang="en-US"/>
           </a:p>
@@ -3667,7 +3668,7 @@
           <a:p>
             <a:fld id="{D54D9FC0-3A79-4E66-913A-63BFEDB3FAFB}" type="datetimeFigureOut">
               <a:rPr lang="en-US" smtClean="0"/>
-              <a:t>3/2/2020</a:t>
+              <a:t>3/3/2020</a:t>
             </a:fld>
             <a:endParaRPr lang="en-US"/>
           </a:p>
@@ -3942,7 +3943,7 @@
           <a:p>
             <a:fld id="{D54D9FC0-3A79-4E66-913A-63BFEDB3FAFB}" type="datetimeFigureOut">
               <a:rPr lang="en-US" smtClean="0"/>
-              <a:t>3/2/2020</a:t>
+              <a:t>3/3/2020</a:t>
             </a:fld>
             <a:endParaRPr lang="en-US"/>
           </a:p>
@@ -4207,7 +4208,7 @@
           <a:p>
             <a:fld id="{D54D9FC0-3A79-4E66-913A-63BFEDB3FAFB}" type="datetimeFigureOut">
               <a:rPr lang="en-US" smtClean="0"/>
-              <a:t>3/2/2020</a:t>
+              <a:t>3/3/2020</a:t>
             </a:fld>
             <a:endParaRPr lang="en-US"/>
           </a:p>
@@ -4619,7 +4620,7 @@
           <a:p>
             <a:fld id="{D54D9FC0-3A79-4E66-913A-63BFEDB3FAFB}" type="datetimeFigureOut">
               <a:rPr lang="en-US" smtClean="0"/>
-              <a:t>3/2/2020</a:t>
+              <a:t>3/3/2020</a:t>
             </a:fld>
             <a:endParaRPr lang="en-US"/>
           </a:p>
@@ -4760,7 +4761,7 @@
           <a:p>
             <a:fld id="{D54D9FC0-3A79-4E66-913A-63BFEDB3FAFB}" type="datetimeFigureOut">
               <a:rPr lang="en-US" smtClean="0"/>
-              <a:t>3/2/2020</a:t>
+              <a:t>3/3/2020</a:t>
             </a:fld>
             <a:endParaRPr lang="en-US"/>
           </a:p>
@@ -4873,7 +4874,7 @@
           <a:p>
             <a:fld id="{D54D9FC0-3A79-4E66-913A-63BFEDB3FAFB}" type="datetimeFigureOut">
               <a:rPr lang="en-US" smtClean="0"/>
-              <a:t>3/2/2020</a:t>
+              <a:t>3/3/2020</a:t>
             </a:fld>
             <a:endParaRPr lang="en-US"/>
           </a:p>
@@ -5184,7 +5185,7 @@
           <a:p>
             <a:fld id="{D54D9FC0-3A79-4E66-913A-63BFEDB3FAFB}" type="datetimeFigureOut">
               <a:rPr lang="en-US" smtClean="0"/>
-              <a:t>3/2/2020</a:t>
+              <a:t>3/3/2020</a:t>
             </a:fld>
             <a:endParaRPr lang="en-US"/>
           </a:p>
@@ -5472,7 +5473,7 @@
           <a:p>
             <a:fld id="{D54D9FC0-3A79-4E66-913A-63BFEDB3FAFB}" type="datetimeFigureOut">
               <a:rPr lang="en-US" smtClean="0"/>
-              <a:t>3/2/2020</a:t>
+              <a:t>3/3/2020</a:t>
             </a:fld>
             <a:endParaRPr lang="en-US"/>
           </a:p>
@@ -5713,7 +5714,7 @@
           <a:p>
             <a:fld id="{D54D9FC0-3A79-4E66-913A-63BFEDB3FAFB}" type="datetimeFigureOut">
               <a:rPr lang="en-US" smtClean="0"/>
-              <a:t>3/2/2020</a:t>
+              <a:t>3/3/2020</a:t>
             </a:fld>
             <a:endParaRPr lang="en-US"/>
           </a:p>
@@ -8314,6 +8315,541 @@
 </p:sld>
 </file>
 
+<file path=ppt/slides/slide7.xml><?xml version="1.0" encoding="utf-8"?>
+<p:sld xmlns:a="http://schemas.openxmlformats.org/drawingml/2006/main" xmlns:r="http://schemas.openxmlformats.org/officeDocument/2006/relationships" xmlns:p="http://schemas.openxmlformats.org/presentationml/2006/main">
+  <p:cSld>
+    <p:bg>
+      <p:bgPr>
+        <a:solidFill>
+          <a:schemeClr val="bg1"/>
+        </a:solidFill>
+        <a:effectLst/>
+      </p:bgPr>
+    </p:bg>
+    <p:spTree>
+      <p:nvGrpSpPr>
+        <p:cNvPr id="1" name=""/>
+        <p:cNvGrpSpPr/>
+        <p:nvPr/>
+      </p:nvGrpSpPr>
+      <p:grpSpPr>
+        <a:xfrm>
+          <a:off x="0" y="0"/>
+          <a:ext cx="0" cy="0"/>
+          <a:chOff x="0" y="0"/>
+          <a:chExt cx="0" cy="0"/>
+        </a:xfrm>
+      </p:grpSpPr>
+      <p:sp>
+        <p:nvSpPr>
+          <p:cNvPr id="18" name="Rectangle 17">
+            <a:extLst>
+              <a:ext uri="{FF2B5EF4-FFF2-40B4-BE49-F238E27FC236}">
+                <a16:creationId xmlns:a16="http://schemas.microsoft.com/office/drawing/2014/main" id="{C0B27210-D0CA-4654-B3E3-9ABB4F178EA1}"/>
+              </a:ext>
+              <a:ext uri="{C183D7F6-B498-43B3-948B-1728B52AA6E4}">
+                <adec:decorative xmlns:adec="http://schemas.microsoft.com/office/drawing/2017/decorative" val="1"/>
+              </a:ext>
+            </a:extLst>
+          </p:cNvPr>
+          <p:cNvSpPr>
+            <a:spLocks noGrp="1" noRot="1" noChangeAspect="1" noMove="1" noResize="1" noEditPoints="1" noAdjustHandles="1" noChangeArrowheads="1" noChangeShapeType="1" noTextEdit="1"/>
+          </p:cNvSpPr>
+          <p:nvPr>
+            <p:extLst>
+              <p:ext uri="{386F3935-93C4-4BCD-93E2-E3B085C9AB24}">
+                <p16:designElem xmlns:p16="http://schemas.microsoft.com/office/powerpoint/2015/main" val="1"/>
+              </p:ext>
+            </p:extLst>
+          </p:nvPr>
+        </p:nvSpPr>
+        <p:spPr>
+          <a:xfrm>
+            <a:off x="0" y="0"/>
+            <a:ext cx="12192000" cy="6858000"/>
+          </a:xfrm>
+          <a:prstGeom prst="rect">
+            <a:avLst/>
+          </a:prstGeom>
+          <a:solidFill>
+            <a:schemeClr val="tx1">
+              <a:lumMod val="75000"/>
+              <a:lumOff val="25000"/>
+            </a:schemeClr>
+          </a:solidFill>
+          <a:ln>
+            <a:noFill/>
+          </a:ln>
+        </p:spPr>
+        <p:style>
+          <a:lnRef idx="2">
+            <a:schemeClr val="accent1">
+              <a:shade val="50000"/>
+            </a:schemeClr>
+          </a:lnRef>
+          <a:fillRef idx="1">
+            <a:schemeClr val="accent1"/>
+          </a:fillRef>
+          <a:effectRef idx="0">
+            <a:schemeClr val="accent1"/>
+          </a:effectRef>
+          <a:fontRef idx="minor">
+            <a:schemeClr val="lt1"/>
+          </a:fontRef>
+        </p:style>
+        <p:txBody>
+          <a:bodyPr rtlCol="0" anchor="ctr"/>
+          <a:lstStyle/>
+          <a:p>
+            <a:pPr algn="ctr"/>
+            <a:endParaRPr lang="en-US"/>
+          </a:p>
+        </p:txBody>
+      </p:sp>
+      <p:sp>
+        <p:nvSpPr>
+          <p:cNvPr id="2" name="Title 1">
+            <a:extLst>
+              <a:ext uri="{FF2B5EF4-FFF2-40B4-BE49-F238E27FC236}">
+                <a16:creationId xmlns:a16="http://schemas.microsoft.com/office/drawing/2014/main" id="{638DA02D-119B-428B-A090-1D1520B8EDE1}"/>
+              </a:ext>
+            </a:extLst>
+          </p:cNvPr>
+          <p:cNvSpPr>
+            <a:spLocks noGrp="1"/>
+          </p:cNvSpPr>
+          <p:nvPr>
+            <p:ph type="title"/>
+          </p:nvPr>
+        </p:nvSpPr>
+        <p:spPr>
+          <a:xfrm>
+            <a:off x="6746628" y="1783959"/>
+            <a:ext cx="4645250" cy="2889114"/>
+          </a:xfrm>
+        </p:spPr>
+        <p:txBody>
+          <a:bodyPr vert="horz" lIns="91440" tIns="45720" rIns="91440" bIns="45720" rtlCol="0" anchor="b">
+            <a:normAutofit/>
+          </a:bodyPr>
+          <a:lstStyle/>
+          <a:p>
+            <a:r>
+              <a:rPr lang="en-US" sz="6000" kern="1200">
+                <a:solidFill>
+                  <a:schemeClr val="bg1"/>
+                </a:solidFill>
+                <a:latin typeface="+mj-lt"/>
+                <a:ea typeface="+mj-ea"/>
+                <a:cs typeface="+mj-cs"/>
+              </a:rPr>
+              <a:t>Thank You</a:t>
+            </a:r>
+            <a:br>
+              <a:rPr lang="en-US" sz="6000" kern="1200">
+                <a:solidFill>
+                  <a:schemeClr val="bg1"/>
+                </a:solidFill>
+                <a:latin typeface="+mj-lt"/>
+                <a:ea typeface="+mj-ea"/>
+                <a:cs typeface="+mj-cs"/>
+              </a:rPr>
+            </a:br>
+            <a:endParaRPr lang="en-US" sz="6000" kern="1200">
+              <a:solidFill>
+                <a:schemeClr val="bg1"/>
+              </a:solidFill>
+              <a:latin typeface="+mj-lt"/>
+              <a:ea typeface="+mj-ea"/>
+              <a:cs typeface="+mj-cs"/>
+            </a:endParaRPr>
+          </a:p>
+        </p:txBody>
+      </p:sp>
+      <p:sp>
+        <p:nvSpPr>
+          <p:cNvPr id="20" name="Freeform: Shape 19">
+            <a:extLst>
+              <a:ext uri="{FF2B5EF4-FFF2-40B4-BE49-F238E27FC236}">
+                <a16:creationId xmlns:a16="http://schemas.microsoft.com/office/drawing/2014/main" id="{1DB7C82F-AB7E-4F0C-B829-FA1B9C415180}"/>
+              </a:ext>
+              <a:ext uri="{C183D7F6-B498-43B3-948B-1728B52AA6E4}">
+                <adec:decorative xmlns:adec="http://schemas.microsoft.com/office/drawing/2017/decorative" val="1"/>
+              </a:ext>
+            </a:extLst>
+          </p:cNvPr>
+          <p:cNvSpPr>
+            <a:spLocks noGrp="1" noRot="1" noChangeAspect="1" noMove="1" noResize="1" noEditPoints="1" noAdjustHandles="1" noChangeArrowheads="1" noChangeShapeType="1" noTextEdit="1"/>
+          </p:cNvSpPr>
+          <p:nvPr>
+            <p:extLst>
+              <p:ext uri="{386F3935-93C4-4BCD-93E2-E3B085C9AB24}">
+                <p16:designElem xmlns:p16="http://schemas.microsoft.com/office/powerpoint/2015/main" val="1"/>
+              </p:ext>
+            </p:extLst>
+          </p:nvPr>
+        </p:nvSpPr>
+        <p:spPr>
+          <a:xfrm flipH="1">
+            <a:off x="0" y="0"/>
+            <a:ext cx="6172782" cy="6858000"/>
+          </a:xfrm>
+          <a:custGeom>
+            <a:avLst/>
+            <a:gdLst>
+              <a:gd name="connsiteX0" fmla="*/ 6172782 w 6172782"/>
+              <a:gd name="connsiteY0" fmla="*/ 0 h 6858000"/>
+              <a:gd name="connsiteX1" fmla="*/ 69075 w 6172782"/>
+              <a:gd name="connsiteY1" fmla="*/ 0 h 6858000"/>
+              <a:gd name="connsiteX2" fmla="*/ 35131 w 6172782"/>
+              <a:gd name="connsiteY2" fmla="*/ 267128 h 6858000"/>
+              <a:gd name="connsiteX3" fmla="*/ 0 w 6172782"/>
+              <a:gd name="connsiteY3" fmla="*/ 962845 h 6858000"/>
+              <a:gd name="connsiteX4" fmla="*/ 3276103 w 6172782"/>
+              <a:gd name="connsiteY4" fmla="*/ 6782205 h 6858000"/>
+              <a:gd name="connsiteX5" fmla="*/ 3407923 w 6172782"/>
+              <a:gd name="connsiteY5" fmla="*/ 6858000 h 6858000"/>
+              <a:gd name="connsiteX6" fmla="*/ 6172782 w 6172782"/>
+              <a:gd name="connsiteY6" fmla="*/ 6858000 h 6858000"/>
+            </a:gdLst>
+            <a:ahLst/>
+            <a:cxnLst>
+              <a:cxn ang="0">
+                <a:pos x="connsiteX0" y="connsiteY0"/>
+              </a:cxn>
+              <a:cxn ang="0">
+                <a:pos x="connsiteX1" y="connsiteY1"/>
+              </a:cxn>
+              <a:cxn ang="0">
+                <a:pos x="connsiteX2" y="connsiteY2"/>
+              </a:cxn>
+              <a:cxn ang="0">
+                <a:pos x="connsiteX3" y="connsiteY3"/>
+              </a:cxn>
+              <a:cxn ang="0">
+                <a:pos x="connsiteX4" y="connsiteY4"/>
+              </a:cxn>
+              <a:cxn ang="0">
+                <a:pos x="connsiteX5" y="connsiteY5"/>
+              </a:cxn>
+              <a:cxn ang="0">
+                <a:pos x="connsiteX6" y="connsiteY6"/>
+              </a:cxn>
+            </a:cxnLst>
+            <a:rect l="l" t="t" r="r" b="b"/>
+            <a:pathLst>
+              <a:path w="6172782" h="6858000">
+                <a:moveTo>
+                  <a:pt x="6172782" y="0"/>
+                </a:moveTo>
+                <a:lnTo>
+                  <a:pt x="69075" y="0"/>
+                </a:lnTo>
+                <a:lnTo>
+                  <a:pt x="35131" y="267128"/>
+                </a:lnTo>
+                <a:cubicBezTo>
+                  <a:pt x="11901" y="495874"/>
+                  <a:pt x="0" y="727970"/>
+                  <a:pt x="0" y="962845"/>
+                </a:cubicBezTo>
+                <a:cubicBezTo>
+                  <a:pt x="0" y="3429034"/>
+                  <a:pt x="1312002" y="5588789"/>
+                  <a:pt x="3276103" y="6782205"/>
+                </a:cubicBezTo>
+                <a:lnTo>
+                  <a:pt x="3407923" y="6858000"/>
+                </a:lnTo>
+                <a:lnTo>
+                  <a:pt x="6172782" y="6858000"/>
+                </a:lnTo>
+                <a:close/>
+              </a:path>
+            </a:pathLst>
+          </a:custGeom>
+          <a:solidFill>
+            <a:schemeClr val="bg1">
+              <a:alpha val="80000"/>
+            </a:schemeClr>
+          </a:solidFill>
+          <a:ln>
+            <a:noFill/>
+          </a:ln>
+        </p:spPr>
+        <p:style>
+          <a:lnRef idx="2">
+            <a:schemeClr val="accent1">
+              <a:shade val="50000"/>
+            </a:schemeClr>
+          </a:lnRef>
+          <a:fillRef idx="1">
+            <a:schemeClr val="accent1"/>
+          </a:fillRef>
+          <a:effectRef idx="0">
+            <a:schemeClr val="accent1"/>
+          </a:effectRef>
+          <a:fontRef idx="minor">
+            <a:schemeClr val="lt1"/>
+          </a:fontRef>
+        </p:style>
+        <p:txBody>
+          <a:bodyPr wrap="square" rtlCol="0" anchor="ctr">
+            <a:noAutofit/>
+          </a:bodyPr>
+          <a:lstStyle/>
+          <a:p>
+            <a:pPr marL="0" marR="0" lvl="0" indent="0" algn="ctr" defTabSz="914400" rtl="0" eaLnBrk="1" fontAlgn="auto" latinLnBrk="0" hangingPunct="1">
+              <a:lnSpc>
+                <a:spcPct val="100000"/>
+              </a:lnSpc>
+              <a:spcBef>
+                <a:spcPts val="0"/>
+              </a:spcBef>
+              <a:spcAft>
+                <a:spcPts val="0"/>
+              </a:spcAft>
+              <a:buClrTx/>
+              <a:buSzTx/>
+              <a:buFontTx/>
+              <a:buNone/>
+              <a:tabLst/>
+              <a:defRPr/>
+            </a:pPr>
+            <a:endParaRPr kumimoji="0" lang="en-US" sz="1800" b="0" i="0" u="none" strike="noStrike" kern="1200" cap="none" spc="0" normalizeH="0" baseline="0" noProof="0">
+              <a:ln>
+                <a:noFill/>
+              </a:ln>
+              <a:solidFill>
+                <a:prstClr val="white"/>
+              </a:solidFill>
+              <a:effectLst/>
+              <a:uLnTx/>
+              <a:uFillTx/>
+              <a:latin typeface="Calibri" panose="020F0502020204030204"/>
+              <a:ea typeface="+mn-ea"/>
+              <a:cs typeface="+mn-cs"/>
+            </a:endParaRPr>
+          </a:p>
+        </p:txBody>
+      </p:sp>
+      <p:sp>
+        <p:nvSpPr>
+          <p:cNvPr id="22" name="Freeform: Shape 21">
+            <a:extLst>
+              <a:ext uri="{FF2B5EF4-FFF2-40B4-BE49-F238E27FC236}">
+                <a16:creationId xmlns:a16="http://schemas.microsoft.com/office/drawing/2014/main" id="{70B66945-4967-4040-926D-DCA44313CDAB}"/>
+              </a:ext>
+              <a:ext uri="{C183D7F6-B498-43B3-948B-1728B52AA6E4}">
+                <adec:decorative xmlns:adec="http://schemas.microsoft.com/office/drawing/2017/decorative" val="1"/>
+              </a:ext>
+            </a:extLst>
+          </p:cNvPr>
+          <p:cNvSpPr>
+            <a:spLocks noGrp="1" noRot="1" noChangeAspect="1" noMove="1" noResize="1" noEditPoints="1" noAdjustHandles="1" noChangeArrowheads="1" noChangeShapeType="1" noTextEdit="1"/>
+          </p:cNvSpPr>
+          <p:nvPr>
+            <p:extLst>
+              <p:ext uri="{386F3935-93C4-4BCD-93E2-E3B085C9AB24}">
+                <p16:designElem xmlns:p16="http://schemas.microsoft.com/office/powerpoint/2015/main" val="1"/>
+              </p:ext>
+            </p:extLst>
+          </p:nvPr>
+        </p:nvSpPr>
+        <p:spPr>
+          <a:xfrm>
+            <a:off x="0" y="0"/>
+            <a:ext cx="6024154" cy="6858000"/>
+          </a:xfrm>
+          <a:custGeom>
+            <a:avLst/>
+            <a:gdLst>
+              <a:gd name="connsiteX0" fmla="*/ 0 w 6024154"/>
+              <a:gd name="connsiteY0" fmla="*/ 0 h 6858000"/>
+              <a:gd name="connsiteX1" fmla="*/ 5953780 w 6024154"/>
+              <a:gd name="connsiteY1" fmla="*/ 0 h 6858000"/>
+              <a:gd name="connsiteX2" fmla="*/ 5989880 w 6024154"/>
+              <a:gd name="connsiteY2" fmla="*/ 284091 h 6858000"/>
+              <a:gd name="connsiteX3" fmla="*/ 6024154 w 6024154"/>
+              <a:gd name="connsiteY3" fmla="*/ 962844 h 6858000"/>
+              <a:gd name="connsiteX4" fmla="*/ 2549934 w 6024154"/>
+              <a:gd name="connsiteY4" fmla="*/ 6800152 h 6858000"/>
+              <a:gd name="connsiteX5" fmla="*/ 2436987 w 6024154"/>
+              <a:gd name="connsiteY5" fmla="*/ 6858000 h 6858000"/>
+              <a:gd name="connsiteX6" fmla="*/ 0 w 6024154"/>
+              <a:gd name="connsiteY6" fmla="*/ 6858000 h 6858000"/>
+            </a:gdLst>
+            <a:ahLst/>
+            <a:cxnLst>
+              <a:cxn ang="0">
+                <a:pos x="connsiteX0" y="connsiteY0"/>
+              </a:cxn>
+              <a:cxn ang="0">
+                <a:pos x="connsiteX1" y="connsiteY1"/>
+              </a:cxn>
+              <a:cxn ang="0">
+                <a:pos x="connsiteX2" y="connsiteY2"/>
+              </a:cxn>
+              <a:cxn ang="0">
+                <a:pos x="connsiteX3" y="connsiteY3"/>
+              </a:cxn>
+              <a:cxn ang="0">
+                <a:pos x="connsiteX4" y="connsiteY4"/>
+              </a:cxn>
+              <a:cxn ang="0">
+                <a:pos x="connsiteX5" y="connsiteY5"/>
+              </a:cxn>
+              <a:cxn ang="0">
+                <a:pos x="connsiteX6" y="connsiteY6"/>
+              </a:cxn>
+            </a:cxnLst>
+            <a:rect l="l" t="t" r="r" b="b"/>
+            <a:pathLst>
+              <a:path w="6024154" h="6858000">
+                <a:moveTo>
+                  <a:pt x="0" y="0"/>
+                </a:moveTo>
+                <a:lnTo>
+                  <a:pt x="5953780" y="0"/>
+                </a:lnTo>
+                <a:lnTo>
+                  <a:pt x="5989880" y="284091"/>
+                </a:lnTo>
+                <a:cubicBezTo>
+                  <a:pt x="6012544" y="507260"/>
+                  <a:pt x="6024154" y="733696"/>
+                  <a:pt x="6024154" y="962844"/>
+                </a:cubicBezTo>
+                <a:cubicBezTo>
+                  <a:pt x="6024154" y="3483472"/>
+                  <a:pt x="4619336" y="5675986"/>
+                  <a:pt x="2549934" y="6800152"/>
+                </a:cubicBezTo>
+                <a:lnTo>
+                  <a:pt x="2436987" y="6858000"/>
+                </a:lnTo>
+                <a:lnTo>
+                  <a:pt x="0" y="6858000"/>
+                </a:lnTo>
+                <a:close/>
+              </a:path>
+            </a:pathLst>
+          </a:custGeom>
+          <a:solidFill>
+            <a:schemeClr val="bg1"/>
+          </a:solidFill>
+          <a:ln>
+            <a:noFill/>
+          </a:ln>
+        </p:spPr>
+        <p:style>
+          <a:lnRef idx="2">
+            <a:schemeClr val="accent1">
+              <a:shade val="50000"/>
+            </a:schemeClr>
+          </a:lnRef>
+          <a:fillRef idx="1">
+            <a:schemeClr val="accent1"/>
+          </a:fillRef>
+          <a:effectRef idx="0">
+            <a:schemeClr val="accent1"/>
+          </a:effectRef>
+          <a:fontRef idx="minor">
+            <a:schemeClr val="lt1"/>
+          </a:fontRef>
+        </p:style>
+        <p:txBody>
+          <a:bodyPr wrap="square" rtlCol="0" anchor="ctr">
+            <a:noAutofit/>
+          </a:bodyPr>
+          <a:lstStyle/>
+          <a:p>
+            <a:pPr marL="0" marR="0" lvl="0" indent="0" algn="ctr" defTabSz="914400" rtl="0" eaLnBrk="1" fontAlgn="auto" latinLnBrk="0" hangingPunct="1">
+              <a:lnSpc>
+                <a:spcPct val="100000"/>
+              </a:lnSpc>
+              <a:spcBef>
+                <a:spcPts val="0"/>
+              </a:spcBef>
+              <a:spcAft>
+                <a:spcPts val="0"/>
+              </a:spcAft>
+              <a:buClrTx/>
+              <a:buSzTx/>
+              <a:buFontTx/>
+              <a:buNone/>
+              <a:tabLst/>
+              <a:defRPr/>
+            </a:pPr>
+            <a:endParaRPr kumimoji="0" lang="en-US" sz="1800" b="0" i="0" u="none" strike="noStrike" kern="1200" cap="none" spc="0" normalizeH="0" baseline="0" noProof="0">
+              <a:ln>
+                <a:noFill/>
+              </a:ln>
+              <a:solidFill>
+                <a:prstClr val="white"/>
+              </a:solidFill>
+              <a:effectLst/>
+              <a:uLnTx/>
+              <a:uFillTx/>
+              <a:latin typeface="Calibri" panose="020F0502020204030204"/>
+              <a:ea typeface="+mn-ea"/>
+              <a:cs typeface="+mn-cs"/>
+            </a:endParaRPr>
+          </a:p>
+        </p:txBody>
+      </p:sp>
+      <p:pic>
+        <p:nvPicPr>
+          <p:cNvPr id="6" name="Graphic 5" descr="Handshake">
+            <a:extLst>
+              <a:ext uri="{FF2B5EF4-FFF2-40B4-BE49-F238E27FC236}">
+                <a16:creationId xmlns:a16="http://schemas.microsoft.com/office/drawing/2014/main" id="{5442A494-B980-49FE-B637-CD0906E53318}"/>
+              </a:ext>
+            </a:extLst>
+          </p:cNvPr>
+          <p:cNvPicPr>
+            <a:picLocks noChangeAspect="1"/>
+          </p:cNvPicPr>
+          <p:nvPr/>
+        </p:nvPicPr>
+        <p:blipFill>
+          <a:blip r:embed="rId2">
+            <a:extLst>
+              <a:ext uri="{28A0092B-C50C-407E-A947-70E740481C1C}">
+                <a14:useLocalDpi xmlns:a14="http://schemas.microsoft.com/office/drawing/2010/main" val="0"/>
+              </a:ext>
+              <a:ext uri="{96DAC541-7B7A-43D3-8B79-37D633B846F1}">
+                <asvg:svgBlip xmlns:asvg="http://schemas.microsoft.com/office/drawing/2016/SVG/main" r:embed="rId3"/>
+              </a:ext>
+            </a:extLst>
+          </a:blip>
+          <a:stretch>
+            <a:fillRect/>
+          </a:stretch>
+        </p:blipFill>
+        <p:spPr>
+          <a:xfrm>
+            <a:off x="419382" y="720993"/>
+            <a:ext cx="4047843" cy="4047843"/>
+          </a:xfrm>
+          <a:prstGeom prst="rect">
+            <a:avLst/>
+          </a:prstGeom>
+        </p:spPr>
+      </p:pic>
+    </p:spTree>
+    <p:extLst>
+      <p:ext uri="{BB962C8B-B14F-4D97-AF65-F5344CB8AC3E}">
+        <p14:creationId xmlns:p14="http://schemas.microsoft.com/office/powerpoint/2010/main" val="1732555186"/>
+      </p:ext>
+    </p:extLst>
+  </p:cSld>
+  <p:clrMapOvr>
+    <a:masterClrMapping/>
+  </p:clrMapOvr>
+</p:sld>
+</file>
+
 <file path=ppt/theme/theme1.xml><?xml version="1.0" encoding="utf-8"?>
 <a:theme xmlns:a="http://schemas.openxmlformats.org/drawingml/2006/main" name="Office Theme">
   <a:themeElements>
